--- a/PIT.pptx
+++ b/PIT.pptx
@@ -9,7 +9,8 @@
     <p:sldId id="257" r:id="rId3"/>
     <p:sldId id="258" r:id="rId4"/>
     <p:sldId id="260" r:id="rId5"/>
-    <p:sldId id="259" r:id="rId6"/>
+    <p:sldId id="261" r:id="rId6"/>
+    <p:sldId id="259" r:id="rId7"/>
   </p:sldIdLst>
   <p:sldSz cx="12192000" cy="6858000"/>
   <p:notesSz cx="6858000" cy="9144000"/>
@@ -108,6 +109,11 @@
       </a:defRPr>
     </a:lvl9pPr>
   </p:defaultTextStyle>
+  <p:extLst>
+    <p:ext uri="{EFAFB233-063F-42B5-8137-9DF3F51BA10A}">
+      <p15:sldGuideLst xmlns:p15="http://schemas.microsoft.com/office/powerpoint/2012/main"/>
+    </p:ext>
+  </p:extLst>
 </p:presentation>
 </file>
 
@@ -1888,7 +1894,7 @@
 <dgm:dataModel xmlns:dgm="http://schemas.openxmlformats.org/drawingml/2006/diagram" xmlns:a="http://schemas.openxmlformats.org/drawingml/2006/main">
   <dgm:ptLst>
     <dgm:pt modelId="{59770E81-7B31-4669-A9B1-886824D18857}" type="doc">
-      <dgm:prSet loTypeId="urn:microsoft.com/office/officeart/2005/8/layout/vList2" loCatId="list" qsTypeId="urn:microsoft.com/office/officeart/2005/8/quickstyle/simple1" qsCatId="simple" csTypeId="urn:microsoft.com/office/officeart/2005/8/colors/colorful2" csCatId="colorful"/>
+      <dgm:prSet loTypeId="urn:microsoft.com/office/officeart/2005/8/layout/vList2" loCatId="list" qsTypeId="urn:microsoft.com/office/officeart/2005/8/quickstyle/simple1" qsCatId="simple" csTypeId="urn:microsoft.com/office/officeart/2005/8/colors/colorful2" csCatId="colorful" phldr="1"/>
       <dgm:spPr/>
       <dgm:t>
         <a:bodyPr/>
@@ -1962,43 +1968,6 @@
       </dgm:t>
     </dgm:pt>
     <dgm:pt modelId="{8729F64F-057A-4DBA-BDF8-4BB40CD733AE}" type="sibTrans" cxnId="{E20B9252-059C-4C2A-AADD-17ECAFFACC8C}">
-      <dgm:prSet/>
-      <dgm:spPr/>
-      <dgm:t>
-        <a:bodyPr/>
-        <a:lstStyle/>
-        <a:p>
-          <a:endParaRPr lang="en-US"/>
-        </a:p>
-      </dgm:t>
-    </dgm:pt>
-    <dgm:pt modelId="{8E01DB08-5E58-4690-BD0E-2850B200B277}">
-      <dgm:prSet/>
-      <dgm:spPr/>
-      <dgm:t>
-        <a:bodyPr/>
-        <a:lstStyle/>
-        <a:p>
-          <a:r>
-            <a:rPr lang="pt-BR" b="1"/>
-            <a:t>APLICATIVO</a:t>
-          </a:r>
-          <a:endParaRPr lang="en-US"/>
-        </a:p>
-      </dgm:t>
-    </dgm:pt>
-    <dgm:pt modelId="{D2DA29D7-5FE8-406D-A3E1-90F3862ADD7F}" type="parTrans" cxnId="{0716B479-EAE5-4DE9-86EF-40C521AA8BB6}">
-      <dgm:prSet/>
-      <dgm:spPr/>
-      <dgm:t>
-        <a:bodyPr/>
-        <a:lstStyle/>
-        <a:p>
-          <a:endParaRPr lang="en-US"/>
-        </a:p>
-      </dgm:t>
-    </dgm:pt>
-    <dgm:pt modelId="{6C636F7A-B8EA-43E3-89A4-6D19A348CED4}" type="sibTrans" cxnId="{0716B479-EAE5-4DE9-86EF-40C521AA8BB6}">
       <dgm:prSet/>
       <dgm:spPr/>
       <dgm:t>
@@ -2083,43 +2052,6 @@
         </a:p>
       </dgm:t>
     </dgm:pt>
-    <dgm:pt modelId="{DEAD0E28-D916-44E5-94B8-AFA11AA61190}">
-      <dgm:prSet/>
-      <dgm:spPr/>
-      <dgm:t>
-        <a:bodyPr/>
-        <a:lstStyle/>
-        <a:p>
-          <a:r>
-            <a:rPr lang="pt-BR" b="1"/>
-            <a:t>CENTRAL DE MONITORAMENTO (ESP8266)</a:t>
-          </a:r>
-          <a:endParaRPr lang="en-US"/>
-        </a:p>
-      </dgm:t>
-    </dgm:pt>
-    <dgm:pt modelId="{1901DE92-3EA9-4478-B919-5447D68E36AB}" type="parTrans" cxnId="{FBAF080D-B151-4DD3-96DC-36AA70544803}">
-      <dgm:prSet/>
-      <dgm:spPr/>
-      <dgm:t>
-        <a:bodyPr/>
-        <a:lstStyle/>
-        <a:p>
-          <a:endParaRPr lang="en-US"/>
-        </a:p>
-      </dgm:t>
-    </dgm:pt>
-    <dgm:pt modelId="{B4033525-5CAD-4C16-90EF-0CC8FAD57BF2}" type="sibTrans" cxnId="{FBAF080D-B151-4DD3-96DC-36AA70544803}">
-      <dgm:prSet/>
-      <dgm:spPr/>
-      <dgm:t>
-        <a:bodyPr/>
-        <a:lstStyle/>
-        <a:p>
-          <a:endParaRPr lang="en-US"/>
-        </a:p>
-      </dgm:t>
-    </dgm:pt>
     <dgm:pt modelId="{8132C2E2-59F9-4B69-9012-39335C5DCF13}" type="pres">
       <dgm:prSet presAssocID="{59770E81-7B31-4669-A9B1-886824D18857}" presName="linear" presStyleCnt="0">
         <dgm:presLayoutVars>
@@ -2130,7 +2062,7 @@
       <dgm:spPr/>
     </dgm:pt>
     <dgm:pt modelId="{80731A3D-58BD-454D-ADC6-023308E3463F}" type="pres">
-      <dgm:prSet presAssocID="{8FA0D3DC-E84A-46A9-A474-E457A2BE8BE1}" presName="parentText" presStyleLbl="node1" presStyleIdx="0" presStyleCnt="6">
+      <dgm:prSet presAssocID="{8FA0D3DC-E84A-46A9-A474-E457A2BE8BE1}" presName="parentText" presStyleLbl="node1" presStyleIdx="0" presStyleCnt="4">
         <dgm:presLayoutVars>
           <dgm:chMax val="0"/>
           <dgm:bulletEnabled val="1"/>
@@ -2143,7 +2075,7 @@
       <dgm:spPr/>
     </dgm:pt>
     <dgm:pt modelId="{23B4B329-1EE3-4587-B32F-FFA0625FADDE}" type="pres">
-      <dgm:prSet presAssocID="{12C23B38-E9F5-438C-A9EF-A2E713D687E9}" presName="parentText" presStyleLbl="node1" presStyleIdx="1" presStyleCnt="6">
+      <dgm:prSet presAssocID="{12C23B38-E9F5-438C-A9EF-A2E713D687E9}" presName="parentText" presStyleLbl="node1" presStyleIdx="1" presStyleCnt="4">
         <dgm:presLayoutVars>
           <dgm:chMax val="0"/>
           <dgm:bulletEnabled val="1"/>
@@ -2155,21 +2087,8 @@
       <dgm:prSet presAssocID="{8729F64F-057A-4DBA-BDF8-4BB40CD733AE}" presName="spacer" presStyleCnt="0"/>
       <dgm:spPr/>
     </dgm:pt>
-    <dgm:pt modelId="{0269EF86-9137-4892-AB10-A78C7242760E}" type="pres">
-      <dgm:prSet presAssocID="{8E01DB08-5E58-4690-BD0E-2850B200B277}" presName="parentText" presStyleLbl="node1" presStyleIdx="2" presStyleCnt="6">
-        <dgm:presLayoutVars>
-          <dgm:chMax val="0"/>
-          <dgm:bulletEnabled val="1"/>
-        </dgm:presLayoutVars>
-      </dgm:prSet>
-      <dgm:spPr/>
-    </dgm:pt>
-    <dgm:pt modelId="{B5CABBD5-8D25-4632-AB27-981C0C4B59F9}" type="pres">
-      <dgm:prSet presAssocID="{6C636F7A-B8EA-43E3-89A4-6D19A348CED4}" presName="spacer" presStyleCnt="0"/>
-      <dgm:spPr/>
-    </dgm:pt>
     <dgm:pt modelId="{C3347458-330A-4648-BC28-4A6486153AA7}" type="pres">
-      <dgm:prSet presAssocID="{F7788789-5944-41C8-9F3C-A493BF3D0858}" presName="parentText" presStyleLbl="node1" presStyleIdx="3" presStyleCnt="6">
+      <dgm:prSet presAssocID="{F7788789-5944-41C8-9F3C-A493BF3D0858}" presName="parentText" presStyleLbl="node1" presStyleIdx="2" presStyleCnt="4">
         <dgm:presLayoutVars>
           <dgm:chMax val="0"/>
           <dgm:bulletEnabled val="1"/>
@@ -2182,20 +2101,7 @@
       <dgm:spPr/>
     </dgm:pt>
     <dgm:pt modelId="{929AA423-A031-4E13-A4D8-A15C67DD039D}" type="pres">
-      <dgm:prSet presAssocID="{B3CC2CDD-57EB-47CD-8FCC-363C93044BDF}" presName="parentText" presStyleLbl="node1" presStyleIdx="4" presStyleCnt="6">
-        <dgm:presLayoutVars>
-          <dgm:chMax val="0"/>
-          <dgm:bulletEnabled val="1"/>
-        </dgm:presLayoutVars>
-      </dgm:prSet>
-      <dgm:spPr/>
-    </dgm:pt>
-    <dgm:pt modelId="{228D8217-8B38-4160-803F-2733319A2A58}" type="pres">
-      <dgm:prSet presAssocID="{D899A298-BC59-4AB8-AEDC-C985BBADD917}" presName="spacer" presStyleCnt="0"/>
-      <dgm:spPr/>
-    </dgm:pt>
-    <dgm:pt modelId="{1C9A49EF-909B-4329-9DCD-C60A5409D0FF}" type="pres">
-      <dgm:prSet presAssocID="{DEAD0E28-D916-44E5-94B8-AFA11AA61190}" presName="parentText" presStyleLbl="node1" presStyleIdx="5" presStyleCnt="6">
+      <dgm:prSet presAssocID="{B3CC2CDD-57EB-47CD-8FCC-363C93044BDF}" presName="parentText" presStyleLbl="node1" presStyleIdx="3" presStyleCnt="4">
         <dgm:presLayoutVars>
           <dgm:chMax val="0"/>
           <dgm:bulletEnabled val="1"/>
@@ -2205,30 +2111,22 @@
     </dgm:pt>
   </dgm:ptLst>
   <dgm:cxnLst>
-    <dgm:cxn modelId="{FBAF080D-B151-4DD3-96DC-36AA70544803}" srcId="{59770E81-7B31-4669-A9B1-886824D18857}" destId="{DEAD0E28-D916-44E5-94B8-AFA11AA61190}" srcOrd="5" destOrd="0" parTransId="{1901DE92-3EA9-4478-B919-5447D68E36AB}" sibTransId="{B4033525-5CAD-4C16-90EF-0CC8FAD57BF2}"/>
     <dgm:cxn modelId="{48707817-48C5-412B-8E90-95CCB5208EF1}" type="presOf" srcId="{F7788789-5944-41C8-9F3C-A493BF3D0858}" destId="{C3347458-330A-4648-BC28-4A6486153AA7}" srcOrd="0" destOrd="0" presId="urn:microsoft.com/office/officeart/2005/8/layout/vList2"/>
     <dgm:cxn modelId="{2B54A927-6FB4-4A3B-95AB-626BD18DBC5E}" type="presOf" srcId="{12C23B38-E9F5-438C-A9EF-A2E713D687E9}" destId="{23B4B329-1EE3-4587-B32F-FFA0625FADDE}" srcOrd="0" destOrd="0" presId="urn:microsoft.com/office/officeart/2005/8/layout/vList2"/>
     <dgm:cxn modelId="{F3C06E30-CCAD-4895-8794-C56B4A6E4698}" type="presOf" srcId="{B3CC2CDD-57EB-47CD-8FCC-363C93044BDF}" destId="{929AA423-A031-4E13-A4D8-A15C67DD039D}" srcOrd="0" destOrd="0" presId="urn:microsoft.com/office/officeart/2005/8/layout/vList2"/>
     <dgm:cxn modelId="{7183BE63-7B26-412F-BF8E-8BE21DDB72B0}" type="presOf" srcId="{59770E81-7B31-4669-A9B1-886824D18857}" destId="{8132C2E2-59F9-4B69-9012-39335C5DCF13}" srcOrd="0" destOrd="0" presId="urn:microsoft.com/office/officeart/2005/8/layout/vList2"/>
     <dgm:cxn modelId="{6974234B-0834-4CA5-8DBD-2EB9752CF674}" srcId="{59770E81-7B31-4669-A9B1-886824D18857}" destId="{8FA0D3DC-E84A-46A9-A474-E457A2BE8BE1}" srcOrd="0" destOrd="0" parTransId="{32996361-2FAE-4434-8A3A-C28E41463609}" sibTransId="{CC9277DD-CE1F-4A26-AA11-9CDE7EFCDA1F}"/>
     <dgm:cxn modelId="{E20B9252-059C-4C2A-AADD-17ECAFFACC8C}" srcId="{59770E81-7B31-4669-A9B1-886824D18857}" destId="{12C23B38-E9F5-438C-A9EF-A2E713D687E9}" srcOrd="1" destOrd="0" parTransId="{2934EE90-5342-446C-A4A2-05CEFB570881}" sibTransId="{8729F64F-057A-4DBA-BDF8-4BB40CD733AE}"/>
-    <dgm:cxn modelId="{2A729F79-F2BA-4362-8A71-0C312925A7EA}" type="presOf" srcId="{DEAD0E28-D916-44E5-94B8-AFA11AA61190}" destId="{1C9A49EF-909B-4329-9DCD-C60A5409D0FF}" srcOrd="0" destOrd="0" presId="urn:microsoft.com/office/officeart/2005/8/layout/vList2"/>
-    <dgm:cxn modelId="{0716B479-EAE5-4DE9-86EF-40C521AA8BB6}" srcId="{59770E81-7B31-4669-A9B1-886824D18857}" destId="{8E01DB08-5E58-4690-BD0E-2850B200B277}" srcOrd="2" destOrd="0" parTransId="{D2DA29D7-5FE8-406D-A3E1-90F3862ADD7F}" sibTransId="{6C636F7A-B8EA-43E3-89A4-6D19A348CED4}"/>
-    <dgm:cxn modelId="{F7826584-E23E-4378-AC36-7F41386C7255}" type="presOf" srcId="{8E01DB08-5E58-4690-BD0E-2850B200B277}" destId="{0269EF86-9137-4892-AB10-A78C7242760E}" srcOrd="0" destOrd="0" presId="urn:microsoft.com/office/officeart/2005/8/layout/vList2"/>
-    <dgm:cxn modelId="{CAB3A8B1-3718-444E-8624-6183E7734315}" srcId="{59770E81-7B31-4669-A9B1-886824D18857}" destId="{F7788789-5944-41C8-9F3C-A493BF3D0858}" srcOrd="3" destOrd="0" parTransId="{4ABEAFA1-4A4A-4B0D-989B-9DD7F3FC6C62}" sibTransId="{621C4441-BB73-41C6-9617-9E41FC6AC888}"/>
-    <dgm:cxn modelId="{1A31D1D8-C846-41BA-AA71-C36B1334F4A7}" srcId="{59770E81-7B31-4669-A9B1-886824D18857}" destId="{B3CC2CDD-57EB-47CD-8FCC-363C93044BDF}" srcOrd="4" destOrd="0" parTransId="{CDFF8FF0-548A-4EA2-B452-D08AEC72D32E}" sibTransId="{D899A298-BC59-4AB8-AEDC-C985BBADD917}"/>
+    <dgm:cxn modelId="{CAB3A8B1-3718-444E-8624-6183E7734315}" srcId="{59770E81-7B31-4669-A9B1-886824D18857}" destId="{F7788789-5944-41C8-9F3C-A493BF3D0858}" srcOrd="2" destOrd="0" parTransId="{4ABEAFA1-4A4A-4B0D-989B-9DD7F3FC6C62}" sibTransId="{621C4441-BB73-41C6-9617-9E41FC6AC888}"/>
+    <dgm:cxn modelId="{1A31D1D8-C846-41BA-AA71-C36B1334F4A7}" srcId="{59770E81-7B31-4669-A9B1-886824D18857}" destId="{B3CC2CDD-57EB-47CD-8FCC-363C93044BDF}" srcOrd="3" destOrd="0" parTransId="{CDFF8FF0-548A-4EA2-B452-D08AEC72D32E}" sibTransId="{D899A298-BC59-4AB8-AEDC-C985BBADD917}"/>
     <dgm:cxn modelId="{7964C1F4-E9E8-41C4-B3EE-CC8D59777E9B}" type="presOf" srcId="{8FA0D3DC-E84A-46A9-A474-E457A2BE8BE1}" destId="{80731A3D-58BD-454D-ADC6-023308E3463F}" srcOrd="0" destOrd="0" presId="urn:microsoft.com/office/officeart/2005/8/layout/vList2"/>
     <dgm:cxn modelId="{E611E8EE-A8F5-4A4E-B63B-7D7A7A646534}" type="presParOf" srcId="{8132C2E2-59F9-4B69-9012-39335C5DCF13}" destId="{80731A3D-58BD-454D-ADC6-023308E3463F}" srcOrd="0" destOrd="0" presId="urn:microsoft.com/office/officeart/2005/8/layout/vList2"/>
     <dgm:cxn modelId="{478F61F9-4E08-40C6-BD9E-28CE2EC8ADE0}" type="presParOf" srcId="{8132C2E2-59F9-4B69-9012-39335C5DCF13}" destId="{D24842AF-97C0-4FA8-BCCC-9DE0BADA698F}" srcOrd="1" destOrd="0" presId="urn:microsoft.com/office/officeart/2005/8/layout/vList2"/>
     <dgm:cxn modelId="{08888C84-B950-458C-85DD-F8A5A5A47373}" type="presParOf" srcId="{8132C2E2-59F9-4B69-9012-39335C5DCF13}" destId="{23B4B329-1EE3-4587-B32F-FFA0625FADDE}" srcOrd="2" destOrd="0" presId="urn:microsoft.com/office/officeart/2005/8/layout/vList2"/>
     <dgm:cxn modelId="{47F2F6B1-30FD-4D28-ACA2-B8DC539E1C00}" type="presParOf" srcId="{8132C2E2-59F9-4B69-9012-39335C5DCF13}" destId="{15DF0820-F9ED-4BC5-AA4F-8D3B28F491FB}" srcOrd="3" destOrd="0" presId="urn:microsoft.com/office/officeart/2005/8/layout/vList2"/>
-    <dgm:cxn modelId="{52D06067-3757-42CF-A408-DC8CA8A07642}" type="presParOf" srcId="{8132C2E2-59F9-4B69-9012-39335C5DCF13}" destId="{0269EF86-9137-4892-AB10-A78C7242760E}" srcOrd="4" destOrd="0" presId="urn:microsoft.com/office/officeart/2005/8/layout/vList2"/>
-    <dgm:cxn modelId="{F85DDE0C-7129-46D3-A3AD-3ED68BE7D0B1}" type="presParOf" srcId="{8132C2E2-59F9-4B69-9012-39335C5DCF13}" destId="{B5CABBD5-8D25-4632-AB27-981C0C4B59F9}" srcOrd="5" destOrd="0" presId="urn:microsoft.com/office/officeart/2005/8/layout/vList2"/>
-    <dgm:cxn modelId="{83C71F35-DF8C-40CA-85FB-536488EB9C0D}" type="presParOf" srcId="{8132C2E2-59F9-4B69-9012-39335C5DCF13}" destId="{C3347458-330A-4648-BC28-4A6486153AA7}" srcOrd="6" destOrd="0" presId="urn:microsoft.com/office/officeart/2005/8/layout/vList2"/>
-    <dgm:cxn modelId="{C10AEA9E-7DDD-48DD-BD7F-01560A8C9F01}" type="presParOf" srcId="{8132C2E2-59F9-4B69-9012-39335C5DCF13}" destId="{404F9B24-0A9A-4CFD-ADDD-3D89B96E7DC3}" srcOrd="7" destOrd="0" presId="urn:microsoft.com/office/officeart/2005/8/layout/vList2"/>
-    <dgm:cxn modelId="{A0727C69-E02F-452C-A222-69FF304D9450}" type="presParOf" srcId="{8132C2E2-59F9-4B69-9012-39335C5DCF13}" destId="{929AA423-A031-4E13-A4D8-A15C67DD039D}" srcOrd="8" destOrd="0" presId="urn:microsoft.com/office/officeart/2005/8/layout/vList2"/>
-    <dgm:cxn modelId="{F7E3A097-5964-4E11-A97E-532CFF607B36}" type="presParOf" srcId="{8132C2E2-59F9-4B69-9012-39335C5DCF13}" destId="{228D8217-8B38-4160-803F-2733319A2A58}" srcOrd="9" destOrd="0" presId="urn:microsoft.com/office/officeart/2005/8/layout/vList2"/>
-    <dgm:cxn modelId="{6FE6A452-41A9-45FF-9AB7-1F5A466BCF34}" type="presParOf" srcId="{8132C2E2-59F9-4B69-9012-39335C5DCF13}" destId="{1C9A49EF-909B-4329-9DCD-C60A5409D0FF}" srcOrd="10" destOrd="0" presId="urn:microsoft.com/office/officeart/2005/8/layout/vList2"/>
+    <dgm:cxn modelId="{83C71F35-DF8C-40CA-85FB-536488EB9C0D}" type="presParOf" srcId="{8132C2E2-59F9-4B69-9012-39335C5DCF13}" destId="{C3347458-330A-4648-BC28-4A6486153AA7}" srcOrd="4" destOrd="0" presId="urn:microsoft.com/office/officeart/2005/8/layout/vList2"/>
+    <dgm:cxn modelId="{C10AEA9E-7DDD-48DD-BD7F-01560A8C9F01}" type="presParOf" srcId="{8132C2E2-59F9-4B69-9012-39335C5DCF13}" destId="{404F9B24-0A9A-4CFD-ADDD-3D89B96E7DC3}" srcOrd="5" destOrd="0" presId="urn:microsoft.com/office/officeart/2005/8/layout/vList2"/>
+    <dgm:cxn modelId="{A0727C69-E02F-452C-A222-69FF304D9450}" type="presParOf" srcId="{8132C2E2-59F9-4B69-9012-39335C5DCF13}" destId="{929AA423-A031-4E13-A4D8-A15C67DD039D}" srcOrd="6" destOrd="0" presId="urn:microsoft.com/office/officeart/2005/8/layout/vList2"/>
   </dgm:cxnLst>
   <dgm:bg/>
   <dgm:whole/>
@@ -2501,8 +2399,8 @@
       </dsp:nvSpPr>
       <dsp:spPr>
         <a:xfrm>
-          <a:off x="0" y="563791"/>
-          <a:ext cx="6190459" cy="551655"/>
+          <a:off x="0" y="38787"/>
+          <a:ext cx="6190459" cy="1112304"/>
         </a:xfrm>
         <a:prstGeom prst="roundRect">
           <a:avLst/>
@@ -2543,12 +2441,12 @@
         </a:fontRef>
       </dsp:style>
       <dsp:txBody>
-        <a:bodyPr spcFirstLastPara="0" vert="horz" wrap="square" lIns="87630" tIns="87630" rIns="87630" bIns="87630" numCol="1" spcCol="1270" anchor="ctr" anchorCtr="0">
+        <a:bodyPr spcFirstLastPara="0" vert="horz" wrap="square" lIns="106680" tIns="106680" rIns="106680" bIns="106680" numCol="1" spcCol="1270" anchor="ctr" anchorCtr="0">
           <a:noAutofit/>
         </a:bodyPr>
         <a:lstStyle/>
         <a:p>
-          <a:pPr marL="0" lvl="0" indent="0" algn="l" defTabSz="1022350">
+          <a:pPr marL="0" lvl="0" indent="0" algn="l" defTabSz="1244600">
             <a:lnSpc>
               <a:spcPct val="90000"/>
             </a:lnSpc>
@@ -2561,15 +2459,15 @@
             <a:buNone/>
           </a:pPr>
           <a:r>
-            <a:rPr lang="pt-BR" sz="2300" b="1" kern="1200"/>
+            <a:rPr lang="pt-BR" sz="2800" b="1" kern="1200"/>
             <a:t>ESP32</a:t>
           </a:r>
-          <a:endParaRPr lang="en-US" sz="2300" kern="1200"/>
+          <a:endParaRPr lang="en-US" sz="2800" kern="1200"/>
         </a:p>
       </dsp:txBody>
       <dsp:txXfrm>
-        <a:off x="26930" y="590721"/>
-        <a:ext cx="6136599" cy="497795"/>
+        <a:off x="54298" y="93085"/>
+        <a:ext cx="6081863" cy="1003708"/>
       </dsp:txXfrm>
     </dsp:sp>
     <dsp:sp modelId="{23B4B329-1EE3-4587-B32F-FFA0625FADDE}">
@@ -2579,17 +2477,17 @@
       </dsp:nvSpPr>
       <dsp:spPr>
         <a:xfrm>
-          <a:off x="0" y="1181686"/>
-          <a:ext cx="6190459" cy="551655"/>
+          <a:off x="0" y="1231732"/>
+          <a:ext cx="6190459" cy="1112304"/>
         </a:xfrm>
         <a:prstGeom prst="roundRect">
           <a:avLst/>
         </a:prstGeom>
         <a:solidFill>
           <a:schemeClr val="accent2">
-            <a:hueOff val="-1750886"/>
-            <a:satOff val="-1580"/>
-            <a:lumOff val="-352"/>
+            <a:hueOff val="-2918144"/>
+            <a:satOff val="-2633"/>
+            <a:lumOff val="-587"/>
             <a:alphaOff val="0"/>
           </a:schemeClr>
         </a:solidFill>
@@ -2621,12 +2519,12 @@
         </a:fontRef>
       </dsp:style>
       <dsp:txBody>
-        <a:bodyPr spcFirstLastPara="0" vert="horz" wrap="square" lIns="87630" tIns="87630" rIns="87630" bIns="87630" numCol="1" spcCol="1270" anchor="ctr" anchorCtr="0">
+        <a:bodyPr spcFirstLastPara="0" vert="horz" wrap="square" lIns="106680" tIns="106680" rIns="106680" bIns="106680" numCol="1" spcCol="1270" anchor="ctr" anchorCtr="0">
           <a:noAutofit/>
         </a:bodyPr>
         <a:lstStyle/>
         <a:p>
-          <a:pPr marL="0" lvl="0" indent="0" algn="l" defTabSz="1022350">
+          <a:pPr marL="0" lvl="0" indent="0" algn="l" defTabSz="1244600">
             <a:lnSpc>
               <a:spcPct val="90000"/>
             </a:lnSpc>
@@ -2639,35 +2537,35 @@
             <a:buNone/>
           </a:pPr>
           <a:r>
-            <a:rPr lang="pt-BR" sz="2300" b="1" kern="1200"/>
+            <a:rPr lang="pt-BR" sz="2800" b="1" kern="1200"/>
             <a:t>SENSOR CAPACITIVO DE PROXIMIDADE</a:t>
           </a:r>
-          <a:endParaRPr lang="en-US" sz="2300" kern="1200"/>
+          <a:endParaRPr lang="en-US" sz="2800" kern="1200"/>
         </a:p>
       </dsp:txBody>
       <dsp:txXfrm>
-        <a:off x="26930" y="1208616"/>
-        <a:ext cx="6136599" cy="497795"/>
+        <a:off x="54298" y="1286030"/>
+        <a:ext cx="6081863" cy="1003708"/>
       </dsp:txXfrm>
     </dsp:sp>
-    <dsp:sp modelId="{0269EF86-9137-4892-AB10-A78C7242760E}">
+    <dsp:sp modelId="{C3347458-330A-4648-BC28-4A6486153AA7}">
       <dsp:nvSpPr>
         <dsp:cNvPr id="0" name=""/>
         <dsp:cNvSpPr/>
       </dsp:nvSpPr>
       <dsp:spPr>
         <a:xfrm>
-          <a:off x="0" y="1799581"/>
-          <a:ext cx="6190459" cy="551655"/>
+          <a:off x="0" y="2424676"/>
+          <a:ext cx="6190459" cy="1112304"/>
         </a:xfrm>
         <a:prstGeom prst="roundRect">
           <a:avLst/>
         </a:prstGeom>
         <a:solidFill>
           <a:schemeClr val="accent2">
-            <a:hueOff val="-3501772"/>
-            <a:satOff val="-3160"/>
-            <a:lumOff val="-705"/>
+            <a:hueOff val="-5836287"/>
+            <a:satOff val="-5267"/>
+            <a:lumOff val="-1175"/>
             <a:alphaOff val="0"/>
           </a:schemeClr>
         </a:solidFill>
@@ -2699,12 +2597,12 @@
         </a:fontRef>
       </dsp:style>
       <dsp:txBody>
-        <a:bodyPr spcFirstLastPara="0" vert="horz" wrap="square" lIns="87630" tIns="87630" rIns="87630" bIns="87630" numCol="1" spcCol="1270" anchor="ctr" anchorCtr="0">
+        <a:bodyPr spcFirstLastPara="0" vert="horz" wrap="square" lIns="106680" tIns="106680" rIns="106680" bIns="106680" numCol="1" spcCol="1270" anchor="ctr" anchorCtr="0">
           <a:noAutofit/>
         </a:bodyPr>
         <a:lstStyle/>
         <a:p>
-          <a:pPr marL="0" lvl="0" indent="0" algn="l" defTabSz="1022350">
+          <a:pPr marL="0" lvl="0" indent="0" algn="l" defTabSz="1244600">
             <a:lnSpc>
               <a:spcPct val="90000"/>
             </a:lnSpc>
@@ -2717,93 +2615,15 @@
             <a:buNone/>
           </a:pPr>
           <a:r>
-            <a:rPr lang="pt-BR" sz="2300" b="1" kern="1200"/>
-            <a:t>APLICATIVO</a:t>
+            <a:rPr lang="pt-BR" sz="2800" b="1" kern="1200"/>
+            <a:t>ACESSO WEB</a:t>
           </a:r>
-          <a:endParaRPr lang="en-US" sz="2300" kern="1200"/>
+          <a:endParaRPr lang="en-US" sz="2800" kern="1200"/>
         </a:p>
       </dsp:txBody>
       <dsp:txXfrm>
-        <a:off x="26930" y="1826511"/>
-        <a:ext cx="6136599" cy="497795"/>
-      </dsp:txXfrm>
-    </dsp:sp>
-    <dsp:sp modelId="{C3347458-330A-4648-BC28-4A6486153AA7}">
-      <dsp:nvSpPr>
-        <dsp:cNvPr id="0" name=""/>
-        <dsp:cNvSpPr/>
-      </dsp:nvSpPr>
-      <dsp:spPr>
-        <a:xfrm>
-          <a:off x="0" y="2417476"/>
-          <a:ext cx="6190459" cy="551655"/>
-        </a:xfrm>
-        <a:prstGeom prst="roundRect">
-          <a:avLst/>
-        </a:prstGeom>
-        <a:solidFill>
-          <a:schemeClr val="accent2">
-            <a:hueOff val="-5252659"/>
-            <a:satOff val="-4740"/>
-            <a:lumOff val="-1057"/>
-            <a:alphaOff val="0"/>
-          </a:schemeClr>
-        </a:solidFill>
-        <a:ln w="15875" cap="rnd" cmpd="sng" algn="ctr">
-          <a:solidFill>
-            <a:schemeClr val="lt1">
-              <a:hueOff val="0"/>
-              <a:satOff val="0"/>
-              <a:lumOff val="0"/>
-              <a:alphaOff val="0"/>
-            </a:schemeClr>
-          </a:solidFill>
-          <a:prstDash val="solid"/>
-        </a:ln>
-        <a:effectLst/>
-      </dsp:spPr>
-      <dsp:style>
-        <a:lnRef idx="2">
-          <a:scrgbClr r="0" g="0" b="0"/>
-        </a:lnRef>
-        <a:fillRef idx="1">
-          <a:scrgbClr r="0" g="0" b="0"/>
-        </a:fillRef>
-        <a:effectRef idx="0">
-          <a:scrgbClr r="0" g="0" b="0"/>
-        </a:effectRef>
-        <a:fontRef idx="minor">
-          <a:schemeClr val="lt1"/>
-        </a:fontRef>
-      </dsp:style>
-      <dsp:txBody>
-        <a:bodyPr spcFirstLastPara="0" vert="horz" wrap="square" lIns="87630" tIns="87630" rIns="87630" bIns="87630" numCol="1" spcCol="1270" anchor="ctr" anchorCtr="0">
-          <a:noAutofit/>
-        </a:bodyPr>
-        <a:lstStyle/>
-        <a:p>
-          <a:pPr marL="0" lvl="0" indent="0" algn="l" defTabSz="1022350">
-            <a:lnSpc>
-              <a:spcPct val="90000"/>
-            </a:lnSpc>
-            <a:spcBef>
-              <a:spcPct val="0"/>
-            </a:spcBef>
-            <a:spcAft>
-              <a:spcPct val="35000"/>
-            </a:spcAft>
-            <a:buNone/>
-          </a:pPr>
-          <a:r>
-            <a:rPr lang="pt-BR" sz="2300" b="1" kern="1200"/>
-            <a:t>ACESSO WEB</a:t>
-          </a:r>
-          <a:endParaRPr lang="en-US" sz="2300" kern="1200"/>
-        </a:p>
-      </dsp:txBody>
-      <dsp:txXfrm>
-        <a:off x="26930" y="2444406"/>
-        <a:ext cx="6136599" cy="497795"/>
+        <a:off x="54298" y="2478974"/>
+        <a:ext cx="6081863" cy="1003708"/>
       </dsp:txXfrm>
     </dsp:sp>
     <dsp:sp modelId="{929AA423-A031-4E13-A4D8-A15C67DD039D}">
@@ -2813,86 +2633,8 @@
       </dsp:nvSpPr>
       <dsp:spPr>
         <a:xfrm>
-          <a:off x="0" y="3035371"/>
-          <a:ext cx="6190459" cy="551655"/>
-        </a:xfrm>
-        <a:prstGeom prst="roundRect">
-          <a:avLst/>
-        </a:prstGeom>
-        <a:solidFill>
-          <a:schemeClr val="accent2">
-            <a:hueOff val="-7003545"/>
-            <a:satOff val="-6320"/>
-            <a:lumOff val="-1410"/>
-            <a:alphaOff val="0"/>
-          </a:schemeClr>
-        </a:solidFill>
-        <a:ln w="15875" cap="rnd" cmpd="sng" algn="ctr">
-          <a:solidFill>
-            <a:schemeClr val="lt1">
-              <a:hueOff val="0"/>
-              <a:satOff val="0"/>
-              <a:lumOff val="0"/>
-              <a:alphaOff val="0"/>
-            </a:schemeClr>
-          </a:solidFill>
-          <a:prstDash val="solid"/>
-        </a:ln>
-        <a:effectLst/>
-      </dsp:spPr>
-      <dsp:style>
-        <a:lnRef idx="2">
-          <a:scrgbClr r="0" g="0" b="0"/>
-        </a:lnRef>
-        <a:fillRef idx="1">
-          <a:scrgbClr r="0" g="0" b="0"/>
-        </a:fillRef>
-        <a:effectRef idx="0">
-          <a:scrgbClr r="0" g="0" b="0"/>
-        </a:effectRef>
-        <a:fontRef idx="minor">
-          <a:schemeClr val="lt1"/>
-        </a:fontRef>
-      </dsp:style>
-      <dsp:txBody>
-        <a:bodyPr spcFirstLastPara="0" vert="horz" wrap="square" lIns="87630" tIns="87630" rIns="87630" bIns="87630" numCol="1" spcCol="1270" anchor="ctr" anchorCtr="0">
-          <a:noAutofit/>
-        </a:bodyPr>
-        <a:lstStyle/>
-        <a:p>
-          <a:pPr marL="0" lvl="0" indent="0" algn="l" defTabSz="1022350">
-            <a:lnSpc>
-              <a:spcPct val="90000"/>
-            </a:lnSpc>
-            <a:spcBef>
-              <a:spcPct val="0"/>
-            </a:spcBef>
-            <a:spcAft>
-              <a:spcPct val="35000"/>
-            </a:spcAft>
-            <a:buNone/>
-          </a:pPr>
-          <a:r>
-            <a:rPr lang="pt-BR" sz="2300" b="1" kern="1200"/>
-            <a:t>SERVIDOR</a:t>
-          </a:r>
-          <a:endParaRPr lang="en-US" sz="2300" kern="1200"/>
-        </a:p>
-      </dsp:txBody>
-      <dsp:txXfrm>
-        <a:off x="26930" y="3062301"/>
-        <a:ext cx="6136599" cy="497795"/>
-      </dsp:txXfrm>
-    </dsp:sp>
-    <dsp:sp modelId="{1C9A49EF-909B-4329-9DCD-C60A5409D0FF}">
-      <dsp:nvSpPr>
-        <dsp:cNvPr id="0" name=""/>
-        <dsp:cNvSpPr/>
-      </dsp:nvSpPr>
-      <dsp:spPr>
-        <a:xfrm>
-          <a:off x="0" y="3653266"/>
-          <a:ext cx="6190459" cy="551655"/>
+          <a:off x="0" y="3617620"/>
+          <a:ext cx="6190459" cy="1112304"/>
         </a:xfrm>
         <a:prstGeom prst="roundRect">
           <a:avLst/>
@@ -2933,12 +2675,12 @@
         </a:fontRef>
       </dsp:style>
       <dsp:txBody>
-        <a:bodyPr spcFirstLastPara="0" vert="horz" wrap="square" lIns="87630" tIns="87630" rIns="87630" bIns="87630" numCol="1" spcCol="1270" anchor="ctr" anchorCtr="0">
+        <a:bodyPr spcFirstLastPara="0" vert="horz" wrap="square" lIns="106680" tIns="106680" rIns="106680" bIns="106680" numCol="1" spcCol="1270" anchor="ctr" anchorCtr="0">
           <a:noAutofit/>
         </a:bodyPr>
         <a:lstStyle/>
         <a:p>
-          <a:pPr marL="0" lvl="0" indent="0" algn="l" defTabSz="1022350">
+          <a:pPr marL="0" lvl="0" indent="0" algn="l" defTabSz="1244600">
             <a:lnSpc>
               <a:spcPct val="90000"/>
             </a:lnSpc>
@@ -2951,15 +2693,15 @@
             <a:buNone/>
           </a:pPr>
           <a:r>
-            <a:rPr lang="pt-BR" sz="2300" b="1" kern="1200"/>
-            <a:t>CENTRAL DE MONITORAMENTO (ESP8266)</a:t>
+            <a:rPr lang="pt-BR" sz="2800" b="1" kern="1200"/>
+            <a:t>SERVIDOR</a:t>
           </a:r>
-          <a:endParaRPr lang="en-US" sz="2300" kern="1200"/>
+          <a:endParaRPr lang="en-US" sz="2800" kern="1200"/>
         </a:p>
       </dsp:txBody>
       <dsp:txXfrm>
-        <a:off x="26930" y="3680196"/>
-        <a:ext cx="6136599" cy="497795"/>
+        <a:off x="54298" y="3671918"/>
+        <a:ext cx="6081863" cy="1003708"/>
       </dsp:txXfrm>
     </dsp:sp>
   </dsp:spTree>
@@ -5560,7 +5302,7 @@
             <a:fld id="{B61BEF0D-F0BB-DE4B-95CE-6DB70DBA9567}" type="datetimeFigureOut">
               <a:rPr lang="en-US" dirty="0"/>
               <a:pPr/>
-              <a:t>10/16/2019</a:t>
+              <a:t>11/28/2019</a:t>
             </a:fld>
             <a:endParaRPr lang="en-US" dirty="0"/>
           </a:p>
@@ -5993,7 +5735,7 @@
             <a:fld id="{B61BEF0D-F0BB-DE4B-95CE-6DB70DBA9567}" type="datetimeFigureOut">
               <a:rPr lang="en-US" dirty="0"/>
               <a:pPr/>
-              <a:t>10/16/2019</a:t>
+              <a:t>11/28/2019</a:t>
             </a:fld>
             <a:endParaRPr lang="en-US" dirty="0"/>
           </a:p>
@@ -6240,7 +5982,7 @@
             <a:fld id="{B61BEF0D-F0BB-DE4B-95CE-6DB70DBA9567}" type="datetimeFigureOut">
               <a:rPr lang="en-US" dirty="0"/>
               <a:pPr/>
-              <a:t>10/16/2019</a:t>
+              <a:t>11/28/2019</a:t>
             </a:fld>
             <a:endParaRPr lang="en-US" dirty="0"/>
           </a:p>
@@ -6545,7 +6287,7 @@
             <a:fld id="{B61BEF0D-F0BB-DE4B-95CE-6DB70DBA9567}" type="datetimeFigureOut">
               <a:rPr lang="en-US" dirty="0"/>
               <a:pPr/>
-              <a:t>10/16/2019</a:t>
+              <a:t>11/28/2019</a:t>
             </a:fld>
             <a:endParaRPr lang="en-US" dirty="0"/>
           </a:p>
@@ -6860,7 +6602,7 @@
             <a:fld id="{B61BEF0D-F0BB-DE4B-95CE-6DB70DBA9567}" type="datetimeFigureOut">
               <a:rPr lang="en-US" dirty="0"/>
               <a:pPr/>
-              <a:t>10/16/2019</a:t>
+              <a:t>11/28/2019</a:t>
             </a:fld>
             <a:endParaRPr lang="en-US" dirty="0"/>
           </a:p>
@@ -7159,7 +6901,7 @@
             <a:fld id="{B61BEF0D-F0BB-DE4B-95CE-6DB70DBA9567}" type="datetimeFigureOut">
               <a:rPr lang="en-US" dirty="0"/>
               <a:pPr/>
-              <a:t>10/16/2019</a:t>
+              <a:t>11/28/2019</a:t>
             </a:fld>
             <a:endParaRPr lang="en-US" dirty="0"/>
           </a:p>
@@ -7523,7 +7265,7 @@
             <a:fld id="{B61BEF0D-F0BB-DE4B-95CE-6DB70DBA9567}" type="datetimeFigureOut">
               <a:rPr lang="en-US" dirty="0"/>
               <a:pPr/>
-              <a:t>10/16/2019</a:t>
+              <a:t>11/28/2019</a:t>
             </a:fld>
             <a:endParaRPr lang="en-US" dirty="0"/>
           </a:p>
@@ -7694,7 +7436,7 @@
             <a:fld id="{B61BEF0D-F0BB-DE4B-95CE-6DB70DBA9567}" type="datetimeFigureOut">
               <a:rPr lang="en-US" dirty="0"/>
               <a:pPr/>
-              <a:t>10/16/2019</a:t>
+              <a:t>11/28/2019</a:t>
             </a:fld>
             <a:endParaRPr lang="en-US" dirty="0"/>
           </a:p>
@@ -7871,7 +7613,7 @@
             <a:fld id="{B61BEF0D-F0BB-DE4B-95CE-6DB70DBA9567}" type="datetimeFigureOut">
               <a:rPr lang="en-US" dirty="0"/>
               <a:pPr/>
-              <a:t>10/16/2019</a:t>
+              <a:t>11/28/2019</a:t>
             </a:fld>
             <a:endParaRPr lang="en-US" dirty="0"/>
           </a:p>
@@ -8038,7 +7780,7 @@
             <a:fld id="{B61BEF0D-F0BB-DE4B-95CE-6DB70DBA9567}" type="datetimeFigureOut">
               <a:rPr lang="en-US" dirty="0"/>
               <a:pPr/>
-              <a:t>10/16/2019</a:t>
+              <a:t>11/28/2019</a:t>
             </a:fld>
             <a:endParaRPr lang="en-US" dirty="0"/>
           </a:p>
@@ -8285,7 +8027,7 @@
             <a:fld id="{B61BEF0D-F0BB-DE4B-95CE-6DB70DBA9567}" type="datetimeFigureOut">
               <a:rPr lang="en-US" dirty="0"/>
               <a:pPr/>
-              <a:t>10/16/2019</a:t>
+              <a:t>11/28/2019</a:t>
             </a:fld>
             <a:endParaRPr lang="en-US" dirty="0"/>
           </a:p>
@@ -8518,7 +8260,7 @@
             <a:fld id="{B61BEF0D-F0BB-DE4B-95CE-6DB70DBA9567}" type="datetimeFigureOut">
               <a:rPr lang="en-US" dirty="0"/>
               <a:pPr/>
-              <a:t>10/16/2019</a:t>
+              <a:t>11/28/2019</a:t>
             </a:fld>
             <a:endParaRPr lang="en-US" dirty="0"/>
           </a:p>
@@ -8897,7 +8639,7 @@
             <a:fld id="{B61BEF0D-F0BB-DE4B-95CE-6DB70DBA9567}" type="datetimeFigureOut">
               <a:rPr lang="en-US" dirty="0"/>
               <a:pPr/>
-              <a:t>10/16/2019</a:t>
+              <a:t>11/28/2019</a:t>
             </a:fld>
             <a:endParaRPr lang="en-US" dirty="0"/>
           </a:p>
@@ -9012,7 +8754,7 @@
             <a:fld id="{B61BEF0D-F0BB-DE4B-95CE-6DB70DBA9567}" type="datetimeFigureOut">
               <a:rPr lang="en-US" dirty="0"/>
               <a:pPr/>
-              <a:t>10/16/2019</a:t>
+              <a:t>11/28/2019</a:t>
             </a:fld>
             <a:endParaRPr lang="en-US" dirty="0"/>
           </a:p>
@@ -9104,7 +8846,7 @@
             <a:fld id="{B61BEF0D-F0BB-DE4B-95CE-6DB70DBA9567}" type="datetimeFigureOut">
               <a:rPr lang="en-US" dirty="0"/>
               <a:pPr/>
-              <a:t>10/16/2019</a:t>
+              <a:t>11/28/2019</a:t>
             </a:fld>
             <a:endParaRPr lang="en-US" dirty="0"/>
           </a:p>
@@ -9356,7 +9098,7 @@
             <a:fld id="{B61BEF0D-F0BB-DE4B-95CE-6DB70DBA9567}" type="datetimeFigureOut">
               <a:rPr lang="en-US" dirty="0"/>
               <a:pPr/>
-              <a:t>10/16/2019</a:t>
+              <a:t>11/28/2019</a:t>
             </a:fld>
             <a:endParaRPr lang="en-US" dirty="0"/>
           </a:p>
@@ -9636,7 +9378,7 @@
             <a:fld id="{B61BEF0D-F0BB-DE4B-95CE-6DB70DBA9567}" type="datetimeFigureOut">
               <a:rPr lang="en-US" dirty="0"/>
               <a:pPr/>
-              <a:t>10/16/2019</a:t>
+              <a:t>11/28/2019</a:t>
             </a:fld>
             <a:endParaRPr lang="en-US" dirty="0"/>
           </a:p>
@@ -10039,7 +9781,7 @@
             <a:fld id="{B61BEF0D-F0BB-DE4B-95CE-6DB70DBA9567}" type="datetimeFigureOut">
               <a:rPr lang="en-US" dirty="0"/>
               <a:pPr/>
-              <a:t>10/16/2019</a:t>
+              <a:t>11/28/2019</a:t>
             </a:fld>
             <a:endParaRPr lang="en-US" dirty="0"/>
           </a:p>
@@ -10633,16 +10375,6 @@
               <a:t>Danilo de Maria</a:t>
             </a:r>
           </a:p>
-          <a:p>
-            <a:r>
-              <a:rPr lang="pt-BR" b="1" dirty="0">
-                <a:solidFill>
-                  <a:schemeClr val="tx1"/>
-                </a:solidFill>
-              </a:rPr>
-              <a:t>Lucas Emanuel da Silveira Batista</a:t>
-            </a:r>
-          </a:p>
         </p:txBody>
       </p:sp>
     </p:spTree>
@@ -11776,7 +11508,7 @@
             <p:ph idx="1"/>
             <p:extLst>
               <p:ext uri="{D42A27DB-BD31-4B8C-83A1-F6EECF244321}">
-                <p14:modId xmlns:p14="http://schemas.microsoft.com/office/powerpoint/2010/main" val="587929650"/>
+                <p14:modId xmlns:p14="http://schemas.microsoft.com/office/powerpoint/2010/main" val="3479038112"/>
               </p:ext>
             </p:extLst>
           </p:nvPr>
@@ -11947,6 +11679,523 @@
 <file path=ppt/slides/slide5.xml><?xml version="1.0" encoding="utf-8"?>
 <p:sld xmlns:a="http://schemas.openxmlformats.org/drawingml/2006/main" xmlns:r="http://schemas.openxmlformats.org/officeDocument/2006/relationships" xmlns:p="http://schemas.openxmlformats.org/presentationml/2006/main">
   <p:cSld>
+    <p:bg>
+      <p:bgPr>
+        <a:gradFill rotWithShape="1">
+          <a:gsLst>
+            <a:gs pos="10000">
+              <a:schemeClr val="bg2">
+                <a:tint val="97000"/>
+                <a:hueMod val="92000"/>
+                <a:satMod val="169000"/>
+                <a:lumMod val="164000"/>
+              </a:schemeClr>
+            </a:gs>
+            <a:gs pos="100000">
+              <a:schemeClr val="bg2">
+                <a:shade val="96000"/>
+                <a:satMod val="120000"/>
+                <a:lumMod val="90000"/>
+              </a:schemeClr>
+            </a:gs>
+          </a:gsLst>
+          <a:lin ang="6120000" scaled="1"/>
+        </a:gradFill>
+        <a:effectLst/>
+      </p:bgPr>
+    </p:bg>
+    <p:spTree>
+      <p:nvGrpSpPr>
+        <p:cNvPr id="1" name=""/>
+        <p:cNvGrpSpPr/>
+        <p:nvPr/>
+      </p:nvGrpSpPr>
+      <p:grpSpPr>
+        <a:xfrm>
+          <a:off x="0" y="0"/>
+          <a:ext cx="0" cy="0"/>
+          <a:chOff x="0" y="0"/>
+          <a:chExt cx="0" cy="0"/>
+        </a:xfrm>
+      </p:grpSpPr>
+      <p:grpSp>
+        <p:nvGrpSpPr>
+          <p:cNvPr id="12" name="Group 11">
+            <a:extLst>
+              <a:ext uri="{FF2B5EF4-FFF2-40B4-BE49-F238E27FC236}">
+                <a16:creationId xmlns:a16="http://schemas.microsoft.com/office/drawing/2014/main" id="{2103B461-323C-4912-BFFD-C37582662085}"/>
+              </a:ext>
+              <a:ext uri="{C183D7F6-B498-43B3-948B-1728B52AA6E4}">
+                <adec:decorative xmlns:adec="http://schemas.microsoft.com/office/drawing/2017/decorative" val="1"/>
+              </a:ext>
+            </a:extLst>
+          </p:cNvPr>
+          <p:cNvGrpSpPr>
+            <a:grpSpLocks noGrp="1" noUngrp="1" noRot="1" noChangeAspect="1" noMove="1" noResize="1"/>
+          </p:cNvGrpSpPr>
+          <p:nvPr>
+            <p:extLst>
+              <p:ext uri="{386F3935-93C4-4BCD-93E2-E3B085C9AB24}">
+                <p16:designElem xmlns:p16="http://schemas.microsoft.com/office/powerpoint/2015/main" val="1"/>
+              </p:ext>
+            </p:extLst>
+          </p:nvPr>
+        </p:nvGrpSpPr>
+        <p:grpSpPr>
+          <a:xfrm>
+            <a:off x="9206969" y="2963333"/>
+            <a:ext cx="2981858" cy="3208867"/>
+            <a:chOff x="9206969" y="2963333"/>
+            <a:chExt cx="2981858" cy="3208867"/>
+          </a:xfrm>
+        </p:grpSpPr>
+        <p:cxnSp>
+          <p:nvCxnSpPr>
+            <p:cNvPr id="13" name="Straight Connector 12">
+              <a:extLst>
+                <a:ext uri="{FF2B5EF4-FFF2-40B4-BE49-F238E27FC236}">
+                  <a16:creationId xmlns:a16="http://schemas.microsoft.com/office/drawing/2014/main" id="{FBC21318-F4F4-4524-95D1-6B7FE0A788A3}"/>
+                </a:ext>
+                <a:ext uri="{C183D7F6-B498-43B3-948B-1728B52AA6E4}">
+                  <adec:decorative xmlns:adec="http://schemas.microsoft.com/office/drawing/2017/decorative" val="1"/>
+                </a:ext>
+              </a:extLst>
+            </p:cNvPr>
+            <p:cNvCxnSpPr/>
+            <p:nvPr>
+              <p:extLst>
+                <p:ext uri="{386F3935-93C4-4BCD-93E2-E3B085C9AB24}">
+                  <p16:designElem xmlns:p16="http://schemas.microsoft.com/office/powerpoint/2015/main" val="1"/>
+                </p:ext>
+              </p:extLst>
+            </p:nvPr>
+          </p:nvCxnSpPr>
+          <p:spPr>
+            <a:xfrm flipH="1">
+              <a:off x="11276012" y="2963333"/>
+              <a:ext cx="912814" cy="912812"/>
+            </a:xfrm>
+            <a:prstGeom prst="line">
+              <a:avLst/>
+            </a:prstGeom>
+            <a:ln w="9525">
+              <a:solidFill>
+                <a:schemeClr val="tx1"/>
+              </a:solidFill>
+            </a:ln>
+          </p:spPr>
+          <p:style>
+            <a:lnRef idx="2">
+              <a:schemeClr val="accent1"/>
+            </a:lnRef>
+            <a:fillRef idx="0">
+              <a:schemeClr val="accent1"/>
+            </a:fillRef>
+            <a:effectRef idx="1">
+              <a:schemeClr val="accent1"/>
+            </a:effectRef>
+            <a:fontRef idx="minor">
+              <a:schemeClr val="tx1"/>
+            </a:fontRef>
+          </p:style>
+        </p:cxnSp>
+        <p:cxnSp>
+          <p:nvCxnSpPr>
+            <p:cNvPr id="14" name="Straight Connector 13">
+              <a:extLst>
+                <a:ext uri="{FF2B5EF4-FFF2-40B4-BE49-F238E27FC236}">
+                  <a16:creationId xmlns:a16="http://schemas.microsoft.com/office/drawing/2014/main" id="{D9FFA8E5-974F-409E-89C6-E185BD90933C}"/>
+                </a:ext>
+                <a:ext uri="{C183D7F6-B498-43B3-948B-1728B52AA6E4}">
+                  <adec:decorative xmlns:adec="http://schemas.microsoft.com/office/drawing/2017/decorative" val="1"/>
+                </a:ext>
+              </a:extLst>
+            </p:cNvPr>
+            <p:cNvCxnSpPr/>
+            <p:nvPr>
+              <p:extLst>
+                <p:ext uri="{386F3935-93C4-4BCD-93E2-E3B085C9AB24}">
+                  <p16:designElem xmlns:p16="http://schemas.microsoft.com/office/powerpoint/2015/main" val="1"/>
+                </p:ext>
+              </p:extLst>
+            </p:nvPr>
+          </p:nvCxnSpPr>
+          <p:spPr>
+            <a:xfrm flipH="1">
+              <a:off x="9206969" y="3190344"/>
+              <a:ext cx="2981857" cy="2981856"/>
+            </a:xfrm>
+            <a:prstGeom prst="line">
+              <a:avLst/>
+            </a:prstGeom>
+            <a:ln w="9525">
+              <a:solidFill>
+                <a:schemeClr val="tx1"/>
+              </a:solidFill>
+            </a:ln>
+          </p:spPr>
+          <p:style>
+            <a:lnRef idx="2">
+              <a:schemeClr val="accent1"/>
+            </a:lnRef>
+            <a:fillRef idx="0">
+              <a:schemeClr val="accent1"/>
+            </a:fillRef>
+            <a:effectRef idx="1">
+              <a:schemeClr val="accent1"/>
+            </a:effectRef>
+            <a:fontRef idx="minor">
+              <a:schemeClr val="tx1"/>
+            </a:fontRef>
+          </p:style>
+        </p:cxnSp>
+        <p:cxnSp>
+          <p:nvCxnSpPr>
+            <p:cNvPr id="15" name="Straight Connector 14">
+              <a:extLst>
+                <a:ext uri="{FF2B5EF4-FFF2-40B4-BE49-F238E27FC236}">
+                  <a16:creationId xmlns:a16="http://schemas.microsoft.com/office/drawing/2014/main" id="{C384E2B1-7008-45EE-9F2E-FEF3A089780F}"/>
+                </a:ext>
+                <a:ext uri="{C183D7F6-B498-43B3-948B-1728B52AA6E4}">
+                  <adec:decorative xmlns:adec="http://schemas.microsoft.com/office/drawing/2017/decorative" val="1"/>
+                </a:ext>
+              </a:extLst>
+            </p:cNvPr>
+            <p:cNvCxnSpPr/>
+            <p:nvPr>
+              <p:extLst>
+                <p:ext uri="{386F3935-93C4-4BCD-93E2-E3B085C9AB24}">
+                  <p16:designElem xmlns:p16="http://schemas.microsoft.com/office/powerpoint/2015/main" val="1"/>
+                </p:ext>
+              </p:extLst>
+            </p:nvPr>
+          </p:nvCxnSpPr>
+          <p:spPr>
+            <a:xfrm flipH="1">
+              <a:off x="10292292" y="3285067"/>
+              <a:ext cx="1896534" cy="1896533"/>
+            </a:xfrm>
+            <a:prstGeom prst="line">
+              <a:avLst/>
+            </a:prstGeom>
+            <a:ln w="9525">
+              <a:solidFill>
+                <a:schemeClr val="tx1"/>
+              </a:solidFill>
+            </a:ln>
+          </p:spPr>
+          <p:style>
+            <a:lnRef idx="2">
+              <a:schemeClr val="accent1"/>
+            </a:lnRef>
+            <a:fillRef idx="0">
+              <a:schemeClr val="accent1"/>
+            </a:fillRef>
+            <a:effectRef idx="1">
+              <a:schemeClr val="accent1"/>
+            </a:effectRef>
+            <a:fontRef idx="minor">
+              <a:schemeClr val="tx1"/>
+            </a:fontRef>
+          </p:style>
+        </p:cxnSp>
+        <p:cxnSp>
+          <p:nvCxnSpPr>
+            <p:cNvPr id="16" name="Straight Connector 15">
+              <a:extLst>
+                <a:ext uri="{FF2B5EF4-FFF2-40B4-BE49-F238E27FC236}">
+                  <a16:creationId xmlns:a16="http://schemas.microsoft.com/office/drawing/2014/main" id="{D4563410-7FE9-4955-89C6-0FB9326CD3A8}"/>
+                </a:ext>
+                <a:ext uri="{C183D7F6-B498-43B3-948B-1728B52AA6E4}">
+                  <adec:decorative xmlns:adec="http://schemas.microsoft.com/office/drawing/2017/decorative" val="1"/>
+                </a:ext>
+              </a:extLst>
+            </p:cNvPr>
+            <p:cNvCxnSpPr/>
+            <p:nvPr>
+              <p:extLst>
+                <p:ext uri="{386F3935-93C4-4BCD-93E2-E3B085C9AB24}">
+                  <p16:designElem xmlns:p16="http://schemas.microsoft.com/office/powerpoint/2015/main" val="1"/>
+                </p:ext>
+              </p:extLst>
+            </p:nvPr>
+          </p:nvCxnSpPr>
+          <p:spPr>
+            <a:xfrm flipH="1">
+              <a:off x="10443103" y="3131080"/>
+              <a:ext cx="1745722" cy="1745720"/>
+            </a:xfrm>
+            <a:prstGeom prst="line">
+              <a:avLst/>
+            </a:prstGeom>
+            <a:ln w="28575">
+              <a:solidFill>
+                <a:schemeClr val="tx1"/>
+              </a:solidFill>
+            </a:ln>
+          </p:spPr>
+          <p:style>
+            <a:lnRef idx="2">
+              <a:schemeClr val="accent1"/>
+            </a:lnRef>
+            <a:fillRef idx="0">
+              <a:schemeClr val="accent1"/>
+            </a:fillRef>
+            <a:effectRef idx="1">
+              <a:schemeClr val="accent1"/>
+            </a:effectRef>
+            <a:fontRef idx="minor">
+              <a:schemeClr val="tx1"/>
+            </a:fontRef>
+          </p:style>
+        </p:cxnSp>
+        <p:cxnSp>
+          <p:nvCxnSpPr>
+            <p:cNvPr id="17" name="Straight Connector 16">
+              <a:extLst>
+                <a:ext uri="{FF2B5EF4-FFF2-40B4-BE49-F238E27FC236}">
+                  <a16:creationId xmlns:a16="http://schemas.microsoft.com/office/drawing/2014/main" id="{3AD14C0E-D5DF-4BDC-BD92-642CFF18018D}"/>
+                </a:ext>
+                <a:ext uri="{C183D7F6-B498-43B3-948B-1728B52AA6E4}">
+                  <adec:decorative xmlns:adec="http://schemas.microsoft.com/office/drawing/2017/decorative" val="1"/>
+                </a:ext>
+              </a:extLst>
+            </p:cNvPr>
+            <p:cNvCxnSpPr/>
+            <p:nvPr>
+              <p:extLst>
+                <p:ext uri="{386F3935-93C4-4BCD-93E2-E3B085C9AB24}">
+                  <p16:designElem xmlns:p16="http://schemas.microsoft.com/office/powerpoint/2015/main" val="1"/>
+                </p:ext>
+              </p:extLst>
+            </p:nvPr>
+          </p:nvCxnSpPr>
+          <p:spPr>
+            <a:xfrm flipH="1">
+              <a:off x="10918826" y="3683001"/>
+              <a:ext cx="1270001" cy="1269999"/>
+            </a:xfrm>
+            <a:prstGeom prst="line">
+              <a:avLst/>
+            </a:prstGeom>
+            <a:ln w="28575">
+              <a:solidFill>
+                <a:schemeClr val="tx1"/>
+              </a:solidFill>
+            </a:ln>
+          </p:spPr>
+          <p:style>
+            <a:lnRef idx="2">
+              <a:schemeClr val="accent1"/>
+            </a:lnRef>
+            <a:fillRef idx="0">
+              <a:schemeClr val="accent1"/>
+            </a:fillRef>
+            <a:effectRef idx="1">
+              <a:schemeClr val="accent1"/>
+            </a:effectRef>
+            <a:fontRef idx="minor">
+              <a:schemeClr val="tx1"/>
+            </a:fontRef>
+          </p:style>
+        </p:cxnSp>
+      </p:grpSp>
+      <p:sp>
+        <p:nvSpPr>
+          <p:cNvPr id="19" name="Rectangle 18">
+            <a:extLst>
+              <a:ext uri="{FF2B5EF4-FFF2-40B4-BE49-F238E27FC236}">
+                <a16:creationId xmlns:a16="http://schemas.microsoft.com/office/drawing/2014/main" id="{5C6ACA56-9AD4-4EE6-8F38-8C18968ACE5C}"/>
+              </a:ext>
+              <a:ext uri="{C183D7F6-B498-43B3-948B-1728B52AA6E4}">
+                <adec:decorative xmlns:adec="http://schemas.microsoft.com/office/drawing/2017/decorative" val="1"/>
+              </a:ext>
+            </a:extLst>
+          </p:cNvPr>
+          <p:cNvSpPr>
+            <a:spLocks noGrp="1" noRot="1" noChangeAspect="1" noMove="1" noResize="1" noEditPoints="1" noAdjustHandles="1" noChangeArrowheads="1" noChangeShapeType="1" noTextEdit="1"/>
+          </p:cNvSpPr>
+          <p:nvPr>
+            <p:extLst>
+              <p:ext uri="{386F3935-93C4-4BCD-93E2-E3B085C9AB24}">
+                <p16:designElem xmlns:p16="http://schemas.microsoft.com/office/powerpoint/2015/main" val="1"/>
+              </p:ext>
+            </p:extLst>
+          </p:nvPr>
+        </p:nvSpPr>
+        <p:spPr>
+          <a:xfrm>
+            <a:off x="0" y="0"/>
+            <a:ext cx="12192000" cy="6858000"/>
+          </a:xfrm>
+          <a:prstGeom prst="rect">
+            <a:avLst/>
+          </a:prstGeom>
+          <a:solidFill>
+            <a:schemeClr val="bg1">
+              <a:lumMod val="65000"/>
+              <a:lumOff val="35000"/>
+            </a:schemeClr>
+          </a:solidFill>
+          <a:ln>
+            <a:noFill/>
+          </a:ln>
+        </p:spPr>
+        <p:style>
+          <a:lnRef idx="2">
+            <a:schemeClr val="accent1">
+              <a:shade val="50000"/>
+            </a:schemeClr>
+          </a:lnRef>
+          <a:fillRef idx="1">
+            <a:schemeClr val="accent1"/>
+          </a:fillRef>
+          <a:effectRef idx="0">
+            <a:schemeClr val="accent1"/>
+          </a:effectRef>
+          <a:fontRef idx="minor">
+            <a:schemeClr val="lt1"/>
+          </a:fontRef>
+        </p:style>
+        <p:txBody>
+          <a:bodyPr rtlCol="0" anchor="ctr"/>
+          <a:lstStyle/>
+          <a:p>
+            <a:pPr algn="ctr"/>
+            <a:endParaRPr lang="en-US"/>
+          </a:p>
+        </p:txBody>
+      </p:sp>
+      <p:sp>
+        <p:nvSpPr>
+          <p:cNvPr id="21" name="Rectangle 20">
+            <a:extLst>
+              <a:ext uri="{FF2B5EF4-FFF2-40B4-BE49-F238E27FC236}">
+                <a16:creationId xmlns:a16="http://schemas.microsoft.com/office/drawing/2014/main" id="{BE655210-4EEB-44D9-B394-6FB4139BFC1E}"/>
+              </a:ext>
+              <a:ext uri="{C183D7F6-B498-43B3-948B-1728B52AA6E4}">
+                <adec:decorative xmlns:adec="http://schemas.microsoft.com/office/drawing/2017/decorative" val="1"/>
+              </a:ext>
+            </a:extLst>
+          </p:cNvPr>
+          <p:cNvSpPr>
+            <a:spLocks noGrp="1" noRot="1" noChangeAspect="1" noMove="1" noResize="1" noEditPoints="1" noAdjustHandles="1" noChangeArrowheads="1" noChangeShapeType="1" noTextEdit="1"/>
+          </p:cNvSpPr>
+          <p:nvPr>
+            <p:extLst>
+              <p:ext uri="{386F3935-93C4-4BCD-93E2-E3B085C9AB24}">
+                <p16:designElem xmlns:p16="http://schemas.microsoft.com/office/powerpoint/2015/main" val="1"/>
+              </p:ext>
+            </p:extLst>
+          </p:nvPr>
+        </p:nvSpPr>
+        <p:spPr>
+          <a:xfrm>
+            <a:off x="477012" y="480060"/>
+            <a:ext cx="11237976" cy="5897880"/>
+          </a:xfrm>
+          <a:prstGeom prst="rect">
+            <a:avLst/>
+          </a:prstGeom>
+          <a:solidFill>
+            <a:srgbClr val="FFFFFF"/>
+          </a:solidFill>
+          <a:ln cap="sq">
+            <a:solidFill>
+              <a:srgbClr val="FFFFFF"/>
+            </a:solidFill>
+            <a:miter lim="800000"/>
+          </a:ln>
+        </p:spPr>
+        <p:style>
+          <a:lnRef idx="2">
+            <a:schemeClr val="accent1">
+              <a:shade val="50000"/>
+            </a:schemeClr>
+          </a:lnRef>
+          <a:fillRef idx="1">
+            <a:schemeClr val="accent1"/>
+          </a:fillRef>
+          <a:effectRef idx="0">
+            <a:schemeClr val="accent1"/>
+          </a:effectRef>
+          <a:fontRef idx="minor">
+            <a:schemeClr val="lt1"/>
+          </a:fontRef>
+        </p:style>
+        <p:txBody>
+          <a:bodyPr rtlCol="0" anchor="ctr"/>
+          <a:lstStyle/>
+          <a:p>
+            <a:pPr algn="ctr"/>
+            <a:endParaRPr lang="en-US"/>
+          </a:p>
+        </p:txBody>
+      </p:sp>
+      <p:pic>
+        <p:nvPicPr>
+          <p:cNvPr id="7" name="Espaço Reservado para Conteúdo 6">
+            <a:extLst>
+              <a:ext uri="{FF2B5EF4-FFF2-40B4-BE49-F238E27FC236}">
+                <a16:creationId xmlns:a16="http://schemas.microsoft.com/office/drawing/2014/main" id="{1B3465AE-F945-40BE-A2FE-7489016C2577}"/>
+              </a:ext>
+            </a:extLst>
+          </p:cNvPr>
+          <p:cNvPicPr>
+            <a:picLocks noGrp="1" noChangeAspect="1"/>
+          </p:cNvPicPr>
+          <p:nvPr>
+            <p:ph idx="1"/>
+          </p:nvPr>
+        </p:nvPicPr>
+        <p:blipFill>
+          <a:blip r:embed="rId2">
+            <a:extLst>
+              <a:ext uri="{96DAC541-7B7A-43D3-8B79-37D633B846F1}">
+                <asvg:svgBlip xmlns:asvg="http://schemas.microsoft.com/office/drawing/2016/SVG/main" r:embed="rId3"/>
+              </a:ext>
+            </a:extLst>
+          </a:blip>
+          <a:stretch>
+            <a:fillRect/>
+          </a:stretch>
+        </p:blipFill>
+        <p:spPr bwMode="auto">
+          <a:xfrm>
+            <a:off x="1073833" y="643467"/>
+            <a:ext cx="10044334" cy="5571066"/>
+          </a:xfrm>
+          <a:prstGeom prst="rect">
+            <a:avLst/>
+          </a:prstGeom>
+          <a:noFill/>
+          <a:extLst>
+            <a:ext uri="{909E8E84-426E-40DD-AFC4-6F175D3DCCD1}">
+              <a14:hiddenFill xmlns:a14="http://schemas.microsoft.com/office/drawing/2010/main">
+                <a:solidFill>
+                  <a:srgbClr val="FFFFFF"/>
+                </a:solidFill>
+              </a14:hiddenFill>
+            </a:ext>
+          </a:extLst>
+        </p:spPr>
+      </p:pic>
+    </p:spTree>
+    <p:extLst>
+      <p:ext uri="{BB962C8B-B14F-4D97-AF65-F5344CB8AC3E}">
+        <p14:creationId xmlns:p14="http://schemas.microsoft.com/office/powerpoint/2010/main" val="4107091423"/>
+      </p:ext>
+    </p:extLst>
+  </p:cSld>
+  <p:clrMapOvr>
+    <a:masterClrMapping/>
+  </p:clrMapOvr>
+</p:sld>
+</file>
+
+<file path=ppt/slides/slide6.xml><?xml version="1.0" encoding="utf-8"?>
+<p:sld xmlns:a="http://schemas.openxmlformats.org/drawingml/2006/main" xmlns:r="http://schemas.openxmlformats.org/officeDocument/2006/relationships" xmlns:p="http://schemas.openxmlformats.org/presentationml/2006/main">
+  <p:cSld>
     <p:spTree>
       <p:nvGrpSpPr>
         <p:cNvPr id="1" name=""/>
@@ -12022,16 +12271,6 @@
                 </a:solidFill>
               </a:rPr>
               <a:t>Danilo de Maria</a:t>
-            </a:r>
-          </a:p>
-          <a:p>
-            <a:r>
-              <a:rPr lang="pt-BR" b="1" dirty="0">
-                <a:solidFill>
-                  <a:schemeClr val="tx1"/>
-                </a:solidFill>
-              </a:rPr>
-              <a:t>Lucas Emanuel da Silveira Batista</a:t>
             </a:r>
           </a:p>
         </p:txBody>
